--- a/完成モデル/機能モデル.pptx
+++ b/完成モデル/機能モデル.pptx
@@ -4474,10 +4474,10 @@
         </p:nvGrpSpPr>
         <p:grpSpPr>
           <a:xfrm>
-            <a:off x="3543512" y="6472270"/>
-            <a:ext cx="3482216" cy="848610"/>
-            <a:chOff x="3543512" y="6555429"/>
-            <a:chExt cx="3482216" cy="848610"/>
+            <a:off x="3543512" y="6456784"/>
+            <a:ext cx="3482619" cy="826707"/>
+            <a:chOff x="3543512" y="6539943"/>
+            <a:chExt cx="3482619" cy="826707"/>
           </a:xfrm>
         </p:grpSpPr>
         <p:sp>
@@ -4494,7 +4494,7 @@
           </p:nvSpPr>
           <p:spPr>
             <a:xfrm>
-              <a:off x="3649582" y="6826958"/>
+              <a:off x="3649985" y="6789569"/>
               <a:ext cx="3376146" cy="577081"/>
             </a:xfrm>
             <a:prstGeom prst="rect">
@@ -4630,7 +4630,7 @@
           </p:nvSpPr>
           <p:spPr>
             <a:xfrm>
-              <a:off x="3543512" y="6555429"/>
+              <a:off x="3543512" y="6539943"/>
               <a:ext cx="1030011" cy="307777"/>
             </a:xfrm>
             <a:prstGeom prst="rect">
@@ -6490,7 +6490,7 @@
           <p:nvPr>
             <p:extLst>
               <p:ext uri="{D42A27DB-BD31-4B8C-83A1-F6EECF244321}">
-                <p14:modId xmlns:p14="http://schemas.microsoft.com/office/powerpoint/2010/main" val="1694605213"/>
+                <p14:modId xmlns:p14="http://schemas.microsoft.com/office/powerpoint/2010/main" val="1410263498"/>
               </p:ext>
             </p:extLst>
           </p:nvPr>
@@ -6666,12 +6666,18 @@
                       <a:pPr algn="ctr"/>
                       <a:r>
                         <a:rPr kumimoji="1" lang="en-US" altLang="ja-JP" sz="1050" b="1" dirty="0">
+                          <a:solidFill>
+                            <a:srgbClr val="00ADBB"/>
+                          </a:solidFill>
                           <a:latin typeface="メイリオ" panose="020B0604030504040204" pitchFamily="50" charset="-128"/>
                           <a:ea typeface="メイリオ" panose="020B0604030504040204" pitchFamily="50" charset="-128"/>
                         </a:rPr>
                         <a:t>0</a:t>
                       </a:r>
                       <a:endParaRPr kumimoji="1" lang="ja-JP" altLang="en-US" sz="1050" b="1" dirty="0">
+                        <a:solidFill>
+                          <a:srgbClr val="00ADBB"/>
+                        </a:solidFill>
                         <a:latin typeface="メイリオ" panose="020B0604030504040204" pitchFamily="50" charset="-128"/>
                         <a:ea typeface="メイリオ" panose="020B0604030504040204" pitchFamily="50" charset="-128"/>
                       </a:endParaRPr>
@@ -6757,12 +6763,18 @@
                       <a:pPr algn="ctr"/>
                       <a:r>
                         <a:rPr kumimoji="1" lang="en-US" altLang="ja-JP" sz="1050" b="1" dirty="0">
+                          <a:solidFill>
+                            <a:srgbClr val="E10000"/>
+                          </a:solidFill>
                           <a:latin typeface="メイリオ" panose="020B0604030504040204" pitchFamily="50" charset="-128"/>
                           <a:ea typeface="メイリオ" panose="020B0604030504040204" pitchFamily="50" charset="-128"/>
                         </a:rPr>
                         <a:t>2</a:t>
                       </a:r>
                       <a:endParaRPr kumimoji="1" lang="ja-JP" altLang="en-US" sz="1050" b="1" dirty="0">
+                        <a:solidFill>
+                          <a:srgbClr val="E10000"/>
+                        </a:solidFill>
                         <a:latin typeface="メイリオ" panose="020B0604030504040204" pitchFamily="50" charset="-128"/>
                         <a:ea typeface="メイリオ" panose="020B0604030504040204" pitchFamily="50" charset="-128"/>
                       </a:endParaRPr>
@@ -6848,12 +6860,18 @@
                       <a:pPr algn="ctr"/>
                       <a:r>
                         <a:rPr kumimoji="1" lang="en-US" altLang="ja-JP" sz="1050" b="1" dirty="0">
+                          <a:solidFill>
+                            <a:srgbClr val="00ADBB"/>
+                          </a:solidFill>
                           <a:latin typeface="メイリオ" panose="020B0604030504040204" pitchFamily="50" charset="-128"/>
                           <a:ea typeface="メイリオ" panose="020B0604030504040204" pitchFamily="50" charset="-128"/>
                         </a:rPr>
                         <a:t>0</a:t>
                       </a:r>
                       <a:endParaRPr kumimoji="1" lang="ja-JP" altLang="en-US" sz="1050" b="1" dirty="0">
+                        <a:solidFill>
+                          <a:srgbClr val="00ADBB"/>
+                        </a:solidFill>
                         <a:latin typeface="メイリオ" panose="020B0604030504040204" pitchFamily="50" charset="-128"/>
                         <a:ea typeface="メイリオ" panose="020B0604030504040204" pitchFamily="50" charset="-128"/>
                       </a:endParaRPr>
@@ -6939,12 +6957,18 @@
                       <a:pPr algn="ctr"/>
                       <a:r>
                         <a:rPr kumimoji="1" lang="en-US" altLang="ja-JP" sz="1050" b="1" dirty="0">
+                          <a:solidFill>
+                            <a:srgbClr val="FEBF12"/>
+                          </a:solidFill>
                           <a:latin typeface="メイリオ" panose="020B0604030504040204" pitchFamily="50" charset="-128"/>
                           <a:ea typeface="メイリオ" panose="020B0604030504040204" pitchFamily="50" charset="-128"/>
                         </a:rPr>
                         <a:t>1</a:t>
                       </a:r>
                       <a:endParaRPr kumimoji="1" lang="ja-JP" altLang="en-US" sz="1050" b="1" dirty="0">
+                        <a:solidFill>
+                          <a:srgbClr val="FEBF12"/>
+                        </a:solidFill>
                         <a:latin typeface="メイリオ" panose="020B0604030504040204" pitchFamily="50" charset="-128"/>
                         <a:ea typeface="メイリオ" panose="020B0604030504040204" pitchFamily="50" charset="-128"/>
                       </a:endParaRPr>
@@ -7030,12 +7054,18 @@
                       <a:pPr algn="ctr"/>
                       <a:r>
                         <a:rPr kumimoji="1" lang="en-US" altLang="ja-JP" sz="1050" b="1" dirty="0">
+                          <a:solidFill>
+                            <a:srgbClr val="94349B"/>
+                          </a:solidFill>
                           <a:latin typeface="メイリオ" panose="020B0604030504040204" pitchFamily="50" charset="-128"/>
                           <a:ea typeface="メイリオ" panose="020B0604030504040204" pitchFamily="50" charset="-128"/>
                         </a:rPr>
                         <a:t>3</a:t>
                       </a:r>
                       <a:endParaRPr kumimoji="1" lang="ja-JP" altLang="en-US" sz="1050" b="1" dirty="0">
+                        <a:solidFill>
+                          <a:srgbClr val="94349B"/>
+                        </a:solidFill>
                         <a:latin typeface="メイリオ" panose="020B0604030504040204" pitchFamily="50" charset="-128"/>
                         <a:ea typeface="メイリオ" panose="020B0604030504040204" pitchFamily="50" charset="-128"/>
                       </a:endParaRPr>
@@ -7121,12 +7151,18 @@
                       <a:pPr algn="ctr"/>
                       <a:r>
                         <a:rPr kumimoji="1" lang="en-US" altLang="ja-JP" sz="1050" b="1" dirty="0">
+                          <a:solidFill>
+                            <a:srgbClr val="94349B"/>
+                          </a:solidFill>
                           <a:latin typeface="メイリオ" panose="020B0604030504040204" pitchFamily="50" charset="-128"/>
                           <a:ea typeface="メイリオ" panose="020B0604030504040204" pitchFamily="50" charset="-128"/>
                         </a:rPr>
                         <a:t>3</a:t>
                       </a:r>
                       <a:endParaRPr kumimoji="1" lang="ja-JP" altLang="en-US" sz="1050" b="1" dirty="0">
+                        <a:solidFill>
+                          <a:srgbClr val="94349B"/>
+                        </a:solidFill>
                         <a:latin typeface="メイリオ" panose="020B0604030504040204" pitchFamily="50" charset="-128"/>
                         <a:ea typeface="メイリオ" panose="020B0604030504040204" pitchFamily="50" charset="-128"/>
                       </a:endParaRPr>
@@ -7212,12 +7248,18 @@
                       <a:pPr algn="ctr"/>
                       <a:r>
                         <a:rPr kumimoji="1" lang="en-US" altLang="ja-JP" sz="1050" b="1" dirty="0">
+                          <a:solidFill>
+                            <a:srgbClr val="E10000"/>
+                          </a:solidFill>
                           <a:latin typeface="メイリオ" panose="020B0604030504040204" pitchFamily="50" charset="-128"/>
                           <a:ea typeface="メイリオ" panose="020B0604030504040204" pitchFamily="50" charset="-128"/>
                         </a:rPr>
                         <a:t>2</a:t>
                       </a:r>
                       <a:endParaRPr kumimoji="1" lang="ja-JP" altLang="en-US" sz="1050" b="1" dirty="0">
+                        <a:solidFill>
+                          <a:srgbClr val="E10000"/>
+                        </a:solidFill>
                         <a:latin typeface="メイリオ" panose="020B0604030504040204" pitchFamily="50" charset="-128"/>
                         <a:ea typeface="メイリオ" panose="020B0604030504040204" pitchFamily="50" charset="-128"/>
                       </a:endParaRPr>
@@ -7303,12 +7345,18 @@
                       <a:pPr algn="ctr"/>
                       <a:r>
                         <a:rPr kumimoji="1" lang="en-US" altLang="ja-JP" sz="1050" b="1" dirty="0">
+                          <a:solidFill>
+                            <a:srgbClr val="00ADBB"/>
+                          </a:solidFill>
                           <a:latin typeface="メイリオ" panose="020B0604030504040204" pitchFamily="50" charset="-128"/>
                           <a:ea typeface="メイリオ" panose="020B0604030504040204" pitchFamily="50" charset="-128"/>
                         </a:rPr>
                         <a:t>0</a:t>
                       </a:r>
                       <a:endParaRPr kumimoji="1" lang="ja-JP" altLang="en-US" sz="1050" b="1" dirty="0">
+                        <a:solidFill>
+                          <a:srgbClr val="00ADBB"/>
+                        </a:solidFill>
                         <a:latin typeface="メイリオ" panose="020B0604030504040204" pitchFamily="50" charset="-128"/>
                         <a:ea typeface="メイリオ" panose="020B0604030504040204" pitchFamily="50" charset="-128"/>
                       </a:endParaRPr>
@@ -7341,7 +7389,7 @@
           <p:nvPr>
             <p:extLst>
               <p:ext uri="{D42A27DB-BD31-4B8C-83A1-F6EECF244321}">
-                <p14:modId xmlns:p14="http://schemas.microsoft.com/office/powerpoint/2010/main" val="1696979423"/>
+                <p14:modId xmlns:p14="http://schemas.microsoft.com/office/powerpoint/2010/main" val="3919110631"/>
               </p:ext>
             </p:extLst>
           </p:nvPr>
@@ -7521,12 +7569,18 @@
                       <a:pPr algn="ctr"/>
                       <a:r>
                         <a:rPr kumimoji="1" lang="en-US" altLang="ja-JP" sz="1050" b="1" dirty="0">
+                          <a:solidFill>
+                            <a:srgbClr val="FEBF12"/>
+                          </a:solidFill>
                           <a:latin typeface="メイリオ" panose="020B0604030504040204" pitchFamily="50" charset="-128"/>
                           <a:ea typeface="メイリオ" panose="020B0604030504040204" pitchFamily="50" charset="-128"/>
                         </a:rPr>
                         <a:t>1</a:t>
                       </a:r>
                       <a:endParaRPr kumimoji="1" lang="ja-JP" altLang="en-US" sz="1050" b="1" dirty="0">
+                        <a:solidFill>
+                          <a:srgbClr val="FEBF12"/>
+                        </a:solidFill>
                         <a:latin typeface="メイリオ" panose="020B0604030504040204" pitchFamily="50" charset="-128"/>
                         <a:ea typeface="メイリオ" panose="020B0604030504040204" pitchFamily="50" charset="-128"/>
                       </a:endParaRPr>
@@ -7612,12 +7666,18 @@
                       <a:pPr algn="ctr"/>
                       <a:r>
                         <a:rPr kumimoji="1" lang="en-US" altLang="ja-JP" sz="1050" b="1" dirty="0">
+                          <a:solidFill>
+                            <a:srgbClr val="00ADBB"/>
+                          </a:solidFill>
                           <a:latin typeface="メイリオ" panose="020B0604030504040204" pitchFamily="50" charset="-128"/>
                           <a:ea typeface="メイリオ" panose="020B0604030504040204" pitchFamily="50" charset="-128"/>
                         </a:rPr>
                         <a:t>0</a:t>
                       </a:r>
                       <a:endParaRPr kumimoji="1" lang="ja-JP" altLang="en-US" sz="1050" b="1" dirty="0">
+                        <a:solidFill>
+                          <a:srgbClr val="00ADBB"/>
+                        </a:solidFill>
                         <a:latin typeface="メイリオ" panose="020B0604030504040204" pitchFamily="50" charset="-128"/>
                         <a:ea typeface="メイリオ" panose="020B0604030504040204" pitchFamily="50" charset="-128"/>
                       </a:endParaRPr>
@@ -7703,12 +7763,18 @@
                       <a:pPr algn="ctr"/>
                       <a:r>
                         <a:rPr kumimoji="1" lang="en-US" altLang="ja-JP" sz="1050" b="1" dirty="0">
+                          <a:solidFill>
+                            <a:srgbClr val="FEBF12"/>
+                          </a:solidFill>
                           <a:latin typeface="メイリオ" panose="020B0604030504040204" pitchFamily="50" charset="-128"/>
                           <a:ea typeface="メイリオ" panose="020B0604030504040204" pitchFamily="50" charset="-128"/>
                         </a:rPr>
                         <a:t>1</a:t>
                       </a:r>
                       <a:endParaRPr kumimoji="1" lang="ja-JP" altLang="en-US" sz="1050" b="1" dirty="0">
+                        <a:solidFill>
+                          <a:srgbClr val="FEBF12"/>
+                        </a:solidFill>
                         <a:latin typeface="メイリオ" panose="020B0604030504040204" pitchFamily="50" charset="-128"/>
                         <a:ea typeface="メイリオ" panose="020B0604030504040204" pitchFamily="50" charset="-128"/>
                       </a:endParaRPr>
@@ -7885,12 +7951,18 @@
                       <a:pPr algn="ctr"/>
                       <a:r>
                         <a:rPr kumimoji="1" lang="en-US" altLang="ja-JP" sz="1050" b="1" dirty="0">
+                          <a:solidFill>
+                            <a:srgbClr val="E10000"/>
+                          </a:solidFill>
                           <a:latin typeface="メイリオ" panose="020B0604030504040204" pitchFamily="50" charset="-128"/>
                           <a:ea typeface="メイリオ" panose="020B0604030504040204" pitchFamily="50" charset="-128"/>
                         </a:rPr>
                         <a:t>2</a:t>
                       </a:r>
                       <a:endParaRPr kumimoji="1" lang="ja-JP" altLang="en-US" sz="1050" b="1" dirty="0">
+                        <a:solidFill>
+                          <a:srgbClr val="E10000"/>
+                        </a:solidFill>
                         <a:latin typeface="メイリオ" panose="020B0604030504040204" pitchFamily="50" charset="-128"/>
                         <a:ea typeface="メイリオ" panose="020B0604030504040204" pitchFamily="50" charset="-128"/>
                       </a:endParaRPr>
@@ -7976,12 +8048,18 @@
                       <a:pPr algn="ctr"/>
                       <a:r>
                         <a:rPr kumimoji="1" lang="en-US" altLang="ja-JP" sz="1050" b="1" dirty="0">
+                          <a:solidFill>
+                            <a:srgbClr val="94349B"/>
+                          </a:solidFill>
                           <a:latin typeface="メイリオ" panose="020B0604030504040204" pitchFamily="50" charset="-128"/>
                           <a:ea typeface="メイリオ" panose="020B0604030504040204" pitchFamily="50" charset="-128"/>
                         </a:rPr>
                         <a:t>3</a:t>
                       </a:r>
                       <a:endParaRPr kumimoji="1" lang="ja-JP" altLang="en-US" sz="1050" b="1" dirty="0">
+                        <a:solidFill>
+                          <a:srgbClr val="94349B"/>
+                        </a:solidFill>
                         <a:latin typeface="メイリオ" panose="020B0604030504040204" pitchFamily="50" charset="-128"/>
                         <a:ea typeface="メイリオ" panose="020B0604030504040204" pitchFamily="50" charset="-128"/>
                       </a:endParaRPr>
@@ -8067,12 +8145,18 @@
                       <a:pPr algn="ctr"/>
                       <a:r>
                         <a:rPr kumimoji="1" lang="en-US" altLang="ja-JP" sz="1050" b="1" dirty="0">
+                          <a:solidFill>
+                            <a:srgbClr val="00ADBB"/>
+                          </a:solidFill>
                           <a:latin typeface="メイリオ" panose="020B0604030504040204" pitchFamily="50" charset="-128"/>
                           <a:ea typeface="メイリオ" panose="020B0604030504040204" pitchFamily="50" charset="-128"/>
                         </a:rPr>
                         <a:t>0</a:t>
                       </a:r>
                       <a:endParaRPr kumimoji="1" lang="ja-JP" altLang="en-US" sz="1050" b="1" dirty="0">
+                        <a:solidFill>
+                          <a:srgbClr val="00ADBB"/>
+                        </a:solidFill>
                         <a:latin typeface="メイリオ" panose="020B0604030504040204" pitchFamily="50" charset="-128"/>
                         <a:ea typeface="メイリオ" panose="020B0604030504040204" pitchFamily="50" charset="-128"/>
                       </a:endParaRPr>
@@ -8105,13 +8189,13 @@
           <p:nvPr>
             <p:extLst>
               <p:ext uri="{D42A27DB-BD31-4B8C-83A1-F6EECF244321}">
-                <p14:modId xmlns:p14="http://schemas.microsoft.com/office/powerpoint/2010/main" val="3523189396"/>
+                <p14:modId xmlns:p14="http://schemas.microsoft.com/office/powerpoint/2010/main" val="169265178"/>
               </p:ext>
             </p:extLst>
           </p:nvPr>
         </p:nvGraphicFramePr>
         <p:xfrm>
-          <a:off x="3736504" y="7703760"/>
+          <a:off x="3736504" y="7775768"/>
           <a:ext cx="3196258" cy="1417320"/>
         </p:xfrm>
         <a:graphic>
@@ -8179,58 +8263,118 @@
                     <a:p>
                       <a:pPr algn="ctr"/>
                       <a:r>
-                        <a:rPr kumimoji="1" lang="en-US" altLang="ja-JP" sz="1050" dirty="0"/>
+                        <a:rPr kumimoji="1" lang="en-US" altLang="ja-JP" sz="1050" dirty="0">
+                          <a:solidFill>
+                            <a:srgbClr val="00ADBB"/>
+                          </a:solidFill>
+                        </a:rPr>
                         <a:t>0</a:t>
                       </a:r>
-                      <a:endParaRPr kumimoji="1" lang="ja-JP" altLang="en-US" sz="1050" dirty="0"/>
-                    </a:p>
-                  </a:txBody>
-                  <a:tcPr anchor="ctr"/>
-                </a:tc>
-                <a:tc>
-                  <a:txBody>
-                    <a:bodyPr/>
-                    <a:lstStyle/>
-                    <a:p>
-                      <a:pPr algn="ctr"/>
-                      <a:r>
-                        <a:rPr kumimoji="1" lang="en-US" altLang="ja-JP" sz="1050" dirty="0"/>
+                      <a:endParaRPr kumimoji="1" lang="ja-JP" altLang="en-US" sz="1050" dirty="0">
+                        <a:solidFill>
+                          <a:srgbClr val="00ADBB"/>
+                        </a:solidFill>
+                      </a:endParaRPr>
+                    </a:p>
+                  </a:txBody>
+                  <a:tcPr anchor="ctr">
+                    <a:solidFill>
+                      <a:schemeClr val="accent6">
+                        <a:lumMod val="20000"/>
+                        <a:lumOff val="80000"/>
+                      </a:schemeClr>
+                    </a:solidFill>
+                  </a:tcPr>
+                </a:tc>
+                <a:tc>
+                  <a:txBody>
+                    <a:bodyPr/>
+                    <a:lstStyle/>
+                    <a:p>
+                      <a:pPr algn="ctr"/>
+                      <a:r>
+                        <a:rPr kumimoji="1" lang="en-US" altLang="ja-JP" sz="1050" dirty="0">
+                          <a:solidFill>
+                            <a:srgbClr val="FEBF12"/>
+                          </a:solidFill>
+                        </a:rPr>
                         <a:t>1</a:t>
                       </a:r>
-                      <a:endParaRPr kumimoji="1" lang="ja-JP" altLang="en-US" sz="1050" dirty="0"/>
-                    </a:p>
-                  </a:txBody>
-                  <a:tcPr anchor="ctr"/>
-                </a:tc>
-                <a:tc>
-                  <a:txBody>
-                    <a:bodyPr/>
-                    <a:lstStyle/>
-                    <a:p>
-                      <a:pPr algn="ctr"/>
-                      <a:r>
-                        <a:rPr kumimoji="1" lang="en-US" altLang="ja-JP" sz="1050" dirty="0"/>
+                      <a:endParaRPr kumimoji="1" lang="ja-JP" altLang="en-US" sz="1050" dirty="0">
+                        <a:solidFill>
+                          <a:srgbClr val="FEBF12"/>
+                        </a:solidFill>
+                      </a:endParaRPr>
+                    </a:p>
+                  </a:txBody>
+                  <a:tcPr anchor="ctr">
+                    <a:solidFill>
+                      <a:schemeClr val="accent6">
+                        <a:lumMod val="20000"/>
+                        <a:lumOff val="80000"/>
+                      </a:schemeClr>
+                    </a:solidFill>
+                  </a:tcPr>
+                </a:tc>
+                <a:tc>
+                  <a:txBody>
+                    <a:bodyPr/>
+                    <a:lstStyle/>
+                    <a:p>
+                      <a:pPr algn="ctr"/>
+                      <a:r>
+                        <a:rPr kumimoji="1" lang="en-US" altLang="ja-JP" sz="1050" dirty="0">
+                          <a:solidFill>
+                            <a:srgbClr val="E10000"/>
+                          </a:solidFill>
+                        </a:rPr>
                         <a:t>2</a:t>
                       </a:r>
-                      <a:endParaRPr kumimoji="1" lang="ja-JP" altLang="en-US" sz="1050" dirty="0"/>
-                    </a:p>
-                  </a:txBody>
-                  <a:tcPr anchor="ctr"/>
-                </a:tc>
-                <a:tc>
-                  <a:txBody>
-                    <a:bodyPr/>
-                    <a:lstStyle/>
-                    <a:p>
-                      <a:pPr algn="ctr"/>
-                      <a:r>
-                        <a:rPr kumimoji="1" lang="en-US" altLang="ja-JP" sz="1050" dirty="0"/>
+                      <a:endParaRPr kumimoji="1" lang="ja-JP" altLang="en-US" sz="1050" dirty="0">
+                        <a:solidFill>
+                          <a:srgbClr val="E10000"/>
+                        </a:solidFill>
+                      </a:endParaRPr>
+                    </a:p>
+                  </a:txBody>
+                  <a:tcPr anchor="ctr">
+                    <a:solidFill>
+                      <a:schemeClr val="accent6">
+                        <a:lumMod val="20000"/>
+                        <a:lumOff val="80000"/>
+                      </a:schemeClr>
+                    </a:solidFill>
+                  </a:tcPr>
+                </a:tc>
+                <a:tc>
+                  <a:txBody>
+                    <a:bodyPr/>
+                    <a:lstStyle/>
+                    <a:p>
+                      <a:pPr algn="ctr"/>
+                      <a:r>
+                        <a:rPr kumimoji="1" lang="en-US" altLang="ja-JP" sz="1050" dirty="0">
+                          <a:solidFill>
+                            <a:srgbClr val="94349B"/>
+                          </a:solidFill>
+                        </a:rPr>
                         <a:t>3</a:t>
                       </a:r>
-                      <a:endParaRPr kumimoji="1" lang="ja-JP" altLang="en-US" sz="1050" dirty="0"/>
-                    </a:p>
-                  </a:txBody>
-                  <a:tcPr anchor="ctr"/>
+                      <a:endParaRPr kumimoji="1" lang="ja-JP" altLang="en-US" sz="1050" dirty="0">
+                        <a:solidFill>
+                          <a:srgbClr val="94349B"/>
+                        </a:solidFill>
+                      </a:endParaRPr>
+                    </a:p>
+                  </a:txBody>
+                  <a:tcPr anchor="ctr">
+                    <a:solidFill>
+                      <a:schemeClr val="accent6">
+                        <a:lumMod val="20000"/>
+                        <a:lumOff val="80000"/>
+                      </a:schemeClr>
+                    </a:solidFill>
+                  </a:tcPr>
                 </a:tc>
                 <a:extLst>
                   <a:ext uri="{0D108BD9-81ED-4DB2-BD59-A6C34878D82A}">
@@ -8289,7 +8433,11 @@
                       </a:endParaRPr>
                     </a:p>
                   </a:txBody>
-                  <a:tcPr anchor="ctr"/>
+                  <a:tcPr anchor="ctr">
+                    <a:solidFill>
+                      <a:srgbClr val="D3FCFF"/>
+                    </a:solidFill>
+                  </a:tcPr>
                 </a:tc>
                 <a:tc>
                   <a:txBody>
@@ -8310,7 +8458,11 @@
                       </a:endParaRPr>
                     </a:p>
                   </a:txBody>
-                  <a:tcPr anchor="ctr"/>
+                  <a:tcPr anchor="ctr">
+                    <a:solidFill>
+                      <a:srgbClr val="FFF0C5"/>
+                    </a:solidFill>
+                  </a:tcPr>
                 </a:tc>
                 <a:tc>
                   <a:txBody>
@@ -8331,7 +8483,11 @@
                       </a:endParaRPr>
                     </a:p>
                   </a:txBody>
-                  <a:tcPr anchor="ctr"/>
+                  <a:tcPr anchor="ctr">
+                    <a:solidFill>
+                      <a:srgbClr val="FFDFDF"/>
+                    </a:solidFill>
+                  </a:tcPr>
                 </a:tc>
                 <a:tc>
                   <a:txBody>
@@ -8352,7 +8508,11 @@
                       </a:endParaRPr>
                     </a:p>
                   </a:txBody>
-                  <a:tcPr anchor="ctr"/>
+                  <a:tcPr anchor="ctr">
+                    <a:solidFill>
+                      <a:srgbClr val="EFD4FE"/>
+                    </a:solidFill>
+                  </a:tcPr>
                 </a:tc>
                 <a:extLst>
                   <a:ext uri="{0D108BD9-81ED-4DB2-BD59-A6C34878D82A}">
@@ -8401,7 +8561,11 @@
                       </a:endParaRPr>
                     </a:p>
                   </a:txBody>
-                  <a:tcPr anchor="ctr"/>
+                  <a:tcPr anchor="ctr">
+                    <a:solidFill>
+                      <a:srgbClr val="D3FCFF"/>
+                    </a:solidFill>
+                  </a:tcPr>
                 </a:tc>
                 <a:tc>
                   <a:txBody>
@@ -8422,7 +8586,11 @@
                       </a:endParaRPr>
                     </a:p>
                   </a:txBody>
-                  <a:tcPr anchor="ctr"/>
+                  <a:tcPr anchor="ctr">
+                    <a:solidFill>
+                      <a:srgbClr val="FFF0C5"/>
+                    </a:solidFill>
+                  </a:tcPr>
                 </a:tc>
                 <a:tc>
                   <a:txBody>
@@ -8443,7 +8611,11 @@
                       </a:endParaRPr>
                     </a:p>
                   </a:txBody>
-                  <a:tcPr anchor="ctr"/>
+                  <a:tcPr anchor="ctr">
+                    <a:solidFill>
+                      <a:srgbClr val="FFDFDF"/>
+                    </a:solidFill>
+                  </a:tcPr>
                 </a:tc>
                 <a:tc>
                   <a:txBody>
@@ -8464,7 +8636,11 @@
                       </a:endParaRPr>
                     </a:p>
                   </a:txBody>
-                  <a:tcPr anchor="ctr"/>
+                  <a:tcPr anchor="ctr">
+                    <a:solidFill>
+                      <a:srgbClr val="EFD4FE"/>
+                    </a:solidFill>
+                  </a:tcPr>
                 </a:tc>
                 <a:extLst>
                   <a:ext uri="{0D108BD9-81ED-4DB2-BD59-A6C34878D82A}">
@@ -8513,7 +8689,11 @@
                       </a:endParaRPr>
                     </a:p>
                   </a:txBody>
-                  <a:tcPr anchor="ctr"/>
+                  <a:tcPr anchor="ctr">
+                    <a:solidFill>
+                      <a:srgbClr val="D3FCFF"/>
+                    </a:solidFill>
+                  </a:tcPr>
                 </a:tc>
                 <a:tc>
                   <a:txBody>
@@ -8534,7 +8714,11 @@
                       </a:endParaRPr>
                     </a:p>
                   </a:txBody>
-                  <a:tcPr anchor="ctr"/>
+                  <a:tcPr anchor="ctr">
+                    <a:solidFill>
+                      <a:srgbClr val="FFF0C5"/>
+                    </a:solidFill>
+                  </a:tcPr>
                 </a:tc>
                 <a:tc>
                   <a:txBody>
@@ -8555,7 +8739,11 @@
                       </a:endParaRPr>
                     </a:p>
                   </a:txBody>
-                  <a:tcPr anchor="ctr"/>
+                  <a:tcPr anchor="ctr">
+                    <a:solidFill>
+                      <a:srgbClr val="FFDFDF"/>
+                    </a:solidFill>
+                  </a:tcPr>
                 </a:tc>
                 <a:tc>
                   <a:txBody>
@@ -8576,7 +8764,11 @@
                       </a:endParaRPr>
                     </a:p>
                   </a:txBody>
-                  <a:tcPr anchor="ctr"/>
+                  <a:tcPr anchor="ctr">
+                    <a:solidFill>
+                      <a:srgbClr val="EFD4FE"/>
+                    </a:solidFill>
+                  </a:tcPr>
                 </a:tc>
                 <a:extLst>
                   <a:ext uri="{0D108BD9-81ED-4DB2-BD59-A6C34878D82A}">
@@ -8625,7 +8817,11 @@
                       </a:endParaRPr>
                     </a:p>
                   </a:txBody>
-                  <a:tcPr anchor="ctr"/>
+                  <a:tcPr anchor="ctr">
+                    <a:solidFill>
+                      <a:srgbClr val="D3FCFF"/>
+                    </a:solidFill>
+                  </a:tcPr>
                 </a:tc>
                 <a:tc>
                   <a:txBody>
@@ -8646,7 +8842,11 @@
                       </a:endParaRPr>
                     </a:p>
                   </a:txBody>
-                  <a:tcPr anchor="ctr"/>
+                  <a:tcPr anchor="ctr">
+                    <a:solidFill>
+                      <a:srgbClr val="FFF0C5"/>
+                    </a:solidFill>
+                  </a:tcPr>
                 </a:tc>
                 <a:tc>
                   <a:txBody>
@@ -8667,7 +8867,11 @@
                       </a:endParaRPr>
                     </a:p>
                   </a:txBody>
-                  <a:tcPr anchor="ctr"/>
+                  <a:tcPr anchor="ctr">
+                    <a:solidFill>
+                      <a:srgbClr val="FFDFDF"/>
+                    </a:solidFill>
+                  </a:tcPr>
                 </a:tc>
                 <a:tc>
                   <a:txBody>
@@ -8688,7 +8892,11 @@
                       </a:endParaRPr>
                     </a:p>
                   </a:txBody>
-                  <a:tcPr anchor="ctr"/>
+                  <a:tcPr anchor="ctr">
+                    <a:solidFill>
+                      <a:srgbClr val="EFD4FE"/>
+                    </a:solidFill>
+                  </a:tcPr>
                 </a:tc>
                 <a:extLst>
                   <a:ext uri="{0D108BD9-81ED-4DB2-BD59-A6C34878D82A}">
@@ -9430,8 +9638,8 @@
         </p:nvSpPr>
         <p:spPr>
           <a:xfrm>
-            <a:off x="3590980" y="7337430"/>
-            <a:ext cx="3548524" cy="415498"/>
+            <a:off x="3532730" y="7281962"/>
+            <a:ext cx="3660855" cy="577081"/>
           </a:xfrm>
           <a:prstGeom prst="rect">
             <a:avLst/>
@@ -9463,7 +9671,7 @@
                 <a:latin typeface="メイリオ" panose="020B0604030504040204" pitchFamily="50" charset="-128"/>
                 <a:ea typeface="メイリオ" panose="020B0604030504040204" pitchFamily="50" charset="-128"/>
               </a:rPr>
-              <a:t>係数を以下の表に示す。</a:t>
+              <a:t>係数を以下の表に示す。曲率分類の文字色は区間分けの色と対応している。</a:t>
             </a:r>
             <a:endParaRPr kumimoji="1" lang="ja-JP" altLang="en-US" sz="1050" dirty="0">
               <a:latin typeface="メイリオ" panose="020B0604030504040204" pitchFamily="50" charset="-128"/>

--- a/完成モデル/機能モデル.pptx
+++ b/完成モデル/機能モデル.pptx
@@ -6490,7 +6490,7 @@
           <p:nvPr>
             <p:extLst>
               <p:ext uri="{D42A27DB-BD31-4B8C-83A1-F6EECF244321}">
-                <p14:modId xmlns:p14="http://schemas.microsoft.com/office/powerpoint/2010/main" val="1410263498"/>
+                <p14:modId xmlns:p14="http://schemas.microsoft.com/office/powerpoint/2010/main" val="4004407422"/>
               </p:ext>
             </p:extLst>
           </p:nvPr>
@@ -7389,7 +7389,7 @@
           <p:nvPr>
             <p:extLst>
               <p:ext uri="{D42A27DB-BD31-4B8C-83A1-F6EECF244321}">
-                <p14:modId xmlns:p14="http://schemas.microsoft.com/office/powerpoint/2010/main" val="3919110631"/>
+                <p14:modId xmlns:p14="http://schemas.microsoft.com/office/powerpoint/2010/main" val="3797868348"/>
               </p:ext>
             </p:extLst>
           </p:nvPr>
@@ -7860,12 +7860,18 @@
                       <a:pPr algn="ctr"/>
                       <a:r>
                         <a:rPr kumimoji="1" lang="en-US" altLang="ja-JP" sz="1050" b="1" dirty="0">
+                          <a:solidFill>
+                            <a:srgbClr val="00ADBB"/>
+                          </a:solidFill>
                           <a:latin typeface="メイリオ" panose="020B0604030504040204" pitchFamily="50" charset="-128"/>
                           <a:ea typeface="メイリオ" panose="020B0604030504040204" pitchFamily="50" charset="-128"/>
                         </a:rPr>
                         <a:t>0</a:t>
                       </a:r>
                       <a:endParaRPr kumimoji="1" lang="ja-JP" altLang="en-US" sz="1050" b="1" dirty="0">
+                        <a:solidFill>
+                          <a:srgbClr val="00ADBB"/>
+                        </a:solidFill>
                         <a:latin typeface="メイリオ" panose="020B0604030504040204" pitchFamily="50" charset="-128"/>
                         <a:ea typeface="メイリオ" panose="020B0604030504040204" pitchFamily="50" charset="-128"/>
                       </a:endParaRPr>
